--- a/Back-End/NestJS/NestJS 시작하기.pptx
+++ b/Back-End/NestJS/NestJS 시작하기.pptx
@@ -2453,7 +2453,7 @@
                 </a:solidFill>
                 <a:effectLst/>
               </a:rPr>
-              <a:t>Nest.JS </a:t>
+              <a:t>NestJS </a:t>
             </a:r>
             <a:r>
               <a:rPr lang="ko-KR" altLang="en-US" sz="4000" dirty="0" smtClean="0">
@@ -2655,7 +2655,7 @@
           <a:lstStyle/>
           <a:p>
             <a:r>
-              <a:rPr lang="en-US" altLang="ko-KR" sz="2400" dirty="0" err="1" smtClean="0">
+              <a:rPr lang="en-US" altLang="ko-KR" sz="2400" dirty="0" smtClean="0">
                 <a:latin typeface="HY헤드라인M" pitchFamily="18" charset="-127"/>
                 <a:ea typeface="HY헤드라인M" pitchFamily="18" charset="-127"/>
               </a:rPr>
@@ -2766,7 +2766,7 @@
               <a:buChar char="•"/>
             </a:pPr>
             <a:r>
-              <a:rPr lang="en-US" altLang="ko-KR" sz="1400" dirty="0" err="1"/>
+              <a:rPr lang="en-US" altLang="ko-KR" sz="1400" dirty="0"/>
               <a:t>NestJS</a:t>
             </a:r>
             <a:r>
@@ -2884,7 +2884,7 @@
               <a:t>이에 반해 </a:t>
             </a:r>
             <a:r>
-              <a:rPr lang="en-US" altLang="ko-KR" sz="1400" dirty="0" err="1"/>
+              <a:rPr lang="en-US" altLang="ko-KR" sz="1400" dirty="0"/>
               <a:t>NestJS</a:t>
             </a:r>
             <a:r>
@@ -2938,22 +2938,18 @@
             </a:pPr>
             <a:r>
               <a:rPr lang="en-US" altLang="ko-KR" sz="1400" dirty="0"/>
-              <a:t> </a:t>
-            </a:r>
-            <a:r>
-              <a:rPr lang="en-US" altLang="ko-KR" sz="1400" dirty="0" err="1"/>
-              <a:t>NestJS</a:t>
+              <a:t> NestJS</a:t>
             </a:r>
             <a:r>
               <a:rPr lang="ko-KR" altLang="en-US" sz="1400" dirty="0"/>
               <a:t>는 </a:t>
             </a:r>
             <a:r>
-              <a:rPr lang="en-US" altLang="ko-KR" sz="1400" smtClean="0"/>
+              <a:rPr lang="en-US" altLang="ko-KR" sz="1400" dirty="0" smtClean="0"/>
               <a:t>Angular</a:t>
             </a:r>
             <a:r>
-              <a:rPr lang="ko-KR" altLang="en-US" sz="1400" smtClean="0"/>
+              <a:rPr lang="ko-KR" altLang="en-US" sz="1400" dirty="0" smtClean="0"/>
               <a:t>로부터 </a:t>
             </a:r>
             <a:r>
@@ -3201,7 +3197,7 @@
                 <a:latin typeface="HY헤드라인M" pitchFamily="18" charset="-127"/>
                 <a:ea typeface="HY헤드라인M" pitchFamily="18" charset="-127"/>
               </a:rPr>
-              <a:t>Nest.JS</a:t>
+              <a:t>NestJS</a:t>
             </a:r>
             <a:endParaRPr lang="ko-KR" altLang="en-US" sz="2400" dirty="0">
               <a:latin typeface="HY헤드라인M" pitchFamily="18" charset="-127"/>
@@ -3562,7 +3558,7 @@
                 <a:latin typeface="HY헤드라인M" pitchFamily="18" charset="-127"/>
                 <a:ea typeface="HY헤드라인M" pitchFamily="18" charset="-127"/>
               </a:rPr>
-              <a:t>Nest.JS</a:t>
+              <a:t>NestJS</a:t>
             </a:r>
             <a:endParaRPr lang="ko-KR" altLang="en-US" sz="2400" dirty="0">
               <a:latin typeface="HY헤드라인M" pitchFamily="18" charset="-127"/>
@@ -3881,11 +3877,7 @@
             </a:r>
             <a:r>
               <a:rPr lang="ko-KR" altLang="en-US" sz="1400" dirty="0" smtClean="0"/>
-              <a:t> </a:t>
-            </a:r>
-            <a:r>
-              <a:rPr lang="ko-KR" altLang="en-US" sz="1400" dirty="0" smtClean="0"/>
-              <a:t>에서 </a:t>
+              <a:t> 에서 </a:t>
             </a:r>
             <a:r>
               <a:rPr lang="ko-KR" altLang="en-US" sz="1400" dirty="0"/>
@@ -4119,7 +4111,7 @@
                 <a:latin typeface="HY헤드라인M" pitchFamily="18" charset="-127"/>
                 <a:ea typeface="HY헤드라인M" pitchFamily="18" charset="-127"/>
               </a:rPr>
-              <a:t>Nest.JS</a:t>
+              <a:t>NestJS</a:t>
             </a:r>
             <a:endParaRPr lang="ko-KR" altLang="en-US" sz="2400" dirty="0">
               <a:latin typeface="HY헤드라인M" pitchFamily="18" charset="-127"/>
@@ -4602,7 +4594,7 @@
                 <a:latin typeface="HY헤드라인M" pitchFamily="18" charset="-127"/>
                 <a:ea typeface="HY헤드라인M" pitchFamily="18" charset="-127"/>
               </a:rPr>
-              <a:t>Nest.JS</a:t>
+              <a:t>NestJS</a:t>
             </a:r>
             <a:endParaRPr lang="ko-KR" altLang="en-US" sz="2400" dirty="0">
               <a:latin typeface="HY헤드라인M" pitchFamily="18" charset="-127"/>
@@ -5038,7 +5030,7 @@
                 <a:latin typeface="HY헤드라인M" pitchFamily="18" charset="-127"/>
                 <a:ea typeface="HY헤드라인M" pitchFamily="18" charset="-127"/>
               </a:rPr>
-              <a:t>Nest.JS</a:t>
+              <a:t>NestJS</a:t>
             </a:r>
             <a:endParaRPr lang="ko-KR" altLang="en-US" sz="2400" dirty="0">
               <a:latin typeface="HY헤드라인M" pitchFamily="18" charset="-127"/>
